--- a/verification/misc/diagrams.pptx
+++ b/verification/misc/diagrams.pptx
@@ -6002,7 +6002,7 @@
                 <a:latin typeface="Segoe UI" panose="020B0502040204020203" pitchFamily="34" charset="0"/>
                 <a:cs typeface="Segoe UI" panose="020B0502040204020203" pitchFamily="34" charset="0"/>
               </a:rPr>
-              <a:t>Page</a:t>
+              <a:t>Page 2</a:t>
             </a:r>
           </a:p>
         </p:txBody>
@@ -6063,7 +6063,7 @@
                 <a:latin typeface="Segoe UI" panose="020B0502040204020203" pitchFamily="34" charset="0"/>
                 <a:cs typeface="Segoe UI" panose="020B0502040204020203" pitchFamily="34" charset="0"/>
               </a:rPr>
-              <a:t>Page</a:t>
+              <a:t>Page 4</a:t>
             </a:r>
           </a:p>
         </p:txBody>
@@ -6124,7 +6124,7 @@
                 <a:latin typeface="Segoe UI" panose="020B0502040204020203" pitchFamily="34" charset="0"/>
                 <a:cs typeface="Segoe UI" panose="020B0502040204020203" pitchFamily="34" charset="0"/>
               </a:rPr>
-              <a:t>Page</a:t>
+              <a:t>Page 5</a:t>
             </a:r>
           </a:p>
         </p:txBody>
@@ -6185,7 +6185,7 @@
                 <a:latin typeface="Segoe UI" panose="020B0502040204020203" pitchFamily="34" charset="0"/>
                 <a:cs typeface="Segoe UI" panose="020B0502040204020203" pitchFamily="34" charset="0"/>
               </a:rPr>
-              <a:t>Page</a:t>
+              <a:t>Page 6</a:t>
             </a:r>
           </a:p>
         </p:txBody>
@@ -6243,7 +6243,7 @@
                 <a:latin typeface="Segoe UI" panose="020B0502040204020203" pitchFamily="34" charset="0"/>
                 <a:cs typeface="Segoe UI" panose="020B0502040204020203" pitchFamily="34" charset="0"/>
               </a:rPr>
-              <a:t>Page</a:t>
+              <a:t>Page 7</a:t>
             </a:r>
           </a:p>
         </p:txBody>
@@ -6396,7 +6396,7 @@
                 <a:latin typeface="Segoe UI" panose="020B0502040204020203" pitchFamily="34" charset="0"/>
                 <a:cs typeface="Segoe UI" panose="020B0502040204020203" pitchFamily="34" charset="0"/>
               </a:rPr>
-              <a:t>Page</a:t>
+              <a:t>Page X</a:t>
             </a:r>
           </a:p>
         </p:txBody>
@@ -6710,6 +6710,9 @@
           <a:prstGeom prst="rect">
             <a:avLst/>
           </a:prstGeom>
+          <a:solidFill>
+            <a:srgbClr val="FF0000"/>
+          </a:solidFill>
           <a:ln>
             <a:noFill/>
           </a:ln>
@@ -6853,7 +6856,7 @@
                 <a:latin typeface="Segoe UI" panose="020B0502040204020203" pitchFamily="34" charset="0"/>
                 <a:cs typeface="Segoe UI" panose="020B0502040204020203" pitchFamily="34" charset="0"/>
               </a:rPr>
-              <a:t>Page</a:t>
+              <a:t>Page 2</a:t>
             </a:r>
           </a:p>
         </p:txBody>
@@ -6914,7 +6917,7 @@
                 <a:latin typeface="Segoe UI" panose="020B0502040204020203" pitchFamily="34" charset="0"/>
                 <a:cs typeface="Segoe UI" panose="020B0502040204020203" pitchFamily="34" charset="0"/>
               </a:rPr>
-              <a:t>Page</a:t>
+              <a:t>Page 4</a:t>
             </a:r>
           </a:p>
         </p:txBody>
@@ -6975,7 +6978,7 @@
                 <a:latin typeface="Segoe UI" panose="020B0502040204020203" pitchFamily="34" charset="0"/>
                 <a:cs typeface="Segoe UI" panose="020B0502040204020203" pitchFamily="34" charset="0"/>
               </a:rPr>
-              <a:t>Page</a:t>
+              <a:t>Page 5</a:t>
             </a:r>
           </a:p>
         </p:txBody>
@@ -7036,7 +7039,7 @@
                 <a:latin typeface="Segoe UI" panose="020B0502040204020203" pitchFamily="34" charset="0"/>
                 <a:cs typeface="Segoe UI" panose="020B0502040204020203" pitchFamily="34" charset="0"/>
               </a:rPr>
-              <a:t>Page</a:t>
+              <a:t>Page 6</a:t>
             </a:r>
           </a:p>
         </p:txBody>
@@ -7094,7 +7097,7 @@
                 <a:latin typeface="Segoe UI" panose="020B0502040204020203" pitchFamily="34" charset="0"/>
                 <a:cs typeface="Segoe UI" panose="020B0502040204020203" pitchFamily="34" charset="0"/>
               </a:rPr>
-              <a:t>Page</a:t>
+              <a:t>Page 7</a:t>
             </a:r>
           </a:p>
         </p:txBody>
@@ -7207,7 +7210,7 @@
                 <a:latin typeface="Segoe UI" panose="020B0502040204020203" pitchFamily="34" charset="0"/>
                 <a:cs typeface="Segoe UI" panose="020B0502040204020203" pitchFamily="34" charset="0"/>
               </a:rPr>
-              <a:t>Page</a:t>
+              <a:t>Page 3</a:t>
             </a:r>
           </a:p>
         </p:txBody>
@@ -7325,6 +7328,59 @@
               </a:rPr>
               <a:t>Increasing date</a:t>
             </a:r>
+          </a:p>
+        </p:txBody>
+      </p:sp>
+      <p:sp>
+        <p:nvSpPr>
+          <p:cNvPr id="7" name="Rectangle: Rounded Corners 6">
+            <a:extLst>
+              <a:ext uri="{FF2B5EF4-FFF2-40B4-BE49-F238E27FC236}">
+                <a16:creationId xmlns:a16="http://schemas.microsoft.com/office/drawing/2014/main" id="{A54224E4-D8DF-4719-96AD-EB29C6D4B95D}"/>
+              </a:ext>
+            </a:extLst>
+          </p:cNvPr>
+          <p:cNvSpPr/>
+          <p:nvPr/>
+        </p:nvSpPr>
+        <p:spPr>
+          <a:xfrm>
+            <a:off x="3369078" y="5079999"/>
+            <a:ext cx="1097280" cy="608958"/>
+          </a:xfrm>
+          <a:prstGeom prst="roundRect">
+            <a:avLst/>
+          </a:prstGeom>
+          <a:noFill/>
+          <a:ln w="28575">
+            <a:solidFill>
+              <a:srgbClr val="FF0000"/>
+            </a:solidFill>
+            <a:prstDash val="dash"/>
+          </a:ln>
+        </p:spPr>
+        <p:style>
+          <a:lnRef idx="2">
+            <a:schemeClr val="accent1">
+              <a:shade val="50000"/>
+            </a:schemeClr>
+          </a:lnRef>
+          <a:fillRef idx="1">
+            <a:schemeClr val="accent1"/>
+          </a:fillRef>
+          <a:effectRef idx="0">
+            <a:schemeClr val="accent1"/>
+          </a:effectRef>
+          <a:fontRef idx="minor">
+            <a:schemeClr val="lt1"/>
+          </a:fontRef>
+        </p:style>
+        <p:txBody>
+          <a:bodyPr rtlCol="0" anchor="ctr"/>
+          <a:lstStyle/>
+          <a:p>
+            <a:pPr algn="ctr"/>
+            <a:endParaRPr lang="en-US"/>
           </a:p>
         </p:txBody>
       </p:sp>
